--- a/1)JAVA BYTECODE.pptx
+++ b/1)JAVA BYTECODE.pptx
@@ -300,7 +300,7 @@
           <a:p>
             <a:fld id="{4CD02F28-F3A6-4FBB-BE11-271375304530}" type="datetimeFigureOut">
               <a:rPr lang="ru-RU" smtClean="0"/>
-              <a:t>12.10.2012</a:t>
+              <a:t>17.12.2012</a:t>
             </a:fld>
             <a:endParaRPr lang="ru-RU"/>
           </a:p>
@@ -470,7 +470,7 @@
           <a:p>
             <a:fld id="{4CD02F28-F3A6-4FBB-BE11-271375304530}" type="datetimeFigureOut">
               <a:rPr lang="ru-RU" smtClean="0"/>
-              <a:t>12.10.2012</a:t>
+              <a:t>17.12.2012</a:t>
             </a:fld>
             <a:endParaRPr lang="ru-RU"/>
           </a:p>
@@ -650,7 +650,7 @@
           <a:p>
             <a:fld id="{4CD02F28-F3A6-4FBB-BE11-271375304530}" type="datetimeFigureOut">
               <a:rPr lang="ru-RU" smtClean="0"/>
-              <a:t>12.10.2012</a:t>
+              <a:t>17.12.2012</a:t>
             </a:fld>
             <a:endParaRPr lang="ru-RU"/>
           </a:p>
@@ -820,7 +820,7 @@
           <a:p>
             <a:fld id="{4CD02F28-F3A6-4FBB-BE11-271375304530}" type="datetimeFigureOut">
               <a:rPr lang="ru-RU" smtClean="0"/>
-              <a:t>12.10.2012</a:t>
+              <a:t>17.12.2012</a:t>
             </a:fld>
             <a:endParaRPr lang="ru-RU"/>
           </a:p>
@@ -1066,7 +1066,7 @@
           <a:p>
             <a:fld id="{4CD02F28-F3A6-4FBB-BE11-271375304530}" type="datetimeFigureOut">
               <a:rPr lang="ru-RU" smtClean="0"/>
-              <a:t>12.10.2012</a:t>
+              <a:t>17.12.2012</a:t>
             </a:fld>
             <a:endParaRPr lang="ru-RU"/>
           </a:p>
@@ -1354,7 +1354,7 @@
           <a:p>
             <a:fld id="{4CD02F28-F3A6-4FBB-BE11-271375304530}" type="datetimeFigureOut">
               <a:rPr lang="ru-RU" smtClean="0"/>
-              <a:t>12.10.2012</a:t>
+              <a:t>17.12.2012</a:t>
             </a:fld>
             <a:endParaRPr lang="ru-RU"/>
           </a:p>
@@ -1776,7 +1776,7 @@
           <a:p>
             <a:fld id="{4CD02F28-F3A6-4FBB-BE11-271375304530}" type="datetimeFigureOut">
               <a:rPr lang="ru-RU" smtClean="0"/>
-              <a:t>12.10.2012</a:t>
+              <a:t>17.12.2012</a:t>
             </a:fld>
             <a:endParaRPr lang="ru-RU"/>
           </a:p>
@@ -1894,7 +1894,7 @@
           <a:p>
             <a:fld id="{4CD02F28-F3A6-4FBB-BE11-271375304530}" type="datetimeFigureOut">
               <a:rPr lang="ru-RU" smtClean="0"/>
-              <a:t>12.10.2012</a:t>
+              <a:t>17.12.2012</a:t>
             </a:fld>
             <a:endParaRPr lang="ru-RU"/>
           </a:p>
@@ -1989,7 +1989,7 @@
           <a:p>
             <a:fld id="{4CD02F28-F3A6-4FBB-BE11-271375304530}" type="datetimeFigureOut">
               <a:rPr lang="ru-RU" smtClean="0"/>
-              <a:t>12.10.2012</a:t>
+              <a:t>17.12.2012</a:t>
             </a:fld>
             <a:endParaRPr lang="ru-RU"/>
           </a:p>
@@ -2266,7 +2266,7 @@
           <a:p>
             <a:fld id="{4CD02F28-F3A6-4FBB-BE11-271375304530}" type="datetimeFigureOut">
               <a:rPr lang="ru-RU" smtClean="0"/>
-              <a:t>12.10.2012</a:t>
+              <a:t>17.12.2012</a:t>
             </a:fld>
             <a:endParaRPr lang="ru-RU"/>
           </a:p>
@@ -2519,7 +2519,7 @@
           <a:p>
             <a:fld id="{4CD02F28-F3A6-4FBB-BE11-271375304530}" type="datetimeFigureOut">
               <a:rPr lang="ru-RU" smtClean="0"/>
-              <a:t>12.10.2012</a:t>
+              <a:t>17.12.2012</a:t>
             </a:fld>
             <a:endParaRPr lang="ru-RU"/>
           </a:p>
@@ -2756,7 +2756,7 @@
           <a:p>
             <a:fld id="{4CD02F28-F3A6-4FBB-BE11-271375304530}" type="datetimeFigureOut">
               <a:rPr lang="ru-RU" smtClean="0"/>
-              <a:t>12.10.2012</a:t>
+              <a:t>17.12.2012</a:t>
             </a:fld>
             <a:endParaRPr lang="ru-RU"/>
           </a:p>
@@ -3649,11 +3649,7 @@
             </a:r>
             <a:r>
               <a:rPr lang="en-US" sz="2000" dirty="0" smtClean="0"/>
-              <a:t>invokespecial </a:t>
-            </a:r>
-            <a:r>
-              <a:rPr lang="en-US" sz="2000" dirty="0" smtClean="0"/>
-              <a:t>#3 &lt;Method java.lang.Object()&gt; </a:t>
+              <a:t>invokespecial #3 &lt;Method java.lang.Object()&gt; </a:t>
             </a:r>
             <a:endParaRPr lang="ru-RU" sz="2000" dirty="0" smtClean="0"/>
           </a:p>
@@ -3707,11 +3703,7 @@
             </a:r>
             <a:r>
               <a:rPr lang="en-US" sz="2000" dirty="0" smtClean="0"/>
-              <a:t>putfield </a:t>
-            </a:r>
-            <a:r>
-              <a:rPr lang="en-US" sz="2000" dirty="0" smtClean="0"/>
-              <a:t>#5 &lt;Field java.lang.String name&gt; </a:t>
+              <a:t>putfield #5 &lt;Field java.lang.String name&gt; </a:t>
             </a:r>
             <a:endParaRPr lang="ru-RU" sz="2000" dirty="0" smtClean="0"/>
           </a:p>
@@ -3729,11 +3721,7 @@
             </a:r>
             <a:r>
               <a:rPr lang="en-US" sz="2000" dirty="0" smtClean="0"/>
-              <a:t>aload_0 </a:t>
-            </a:r>
-            <a:r>
-              <a:rPr lang="en-US" sz="2000" dirty="0" smtClean="0"/>
-              <a:t>10 iload_2 </a:t>
+              <a:t>aload_0 10 iload_2 </a:t>
             </a:r>
             <a:endParaRPr lang="ru-RU" sz="2000" dirty="0" smtClean="0"/>
           </a:p>
@@ -3873,8 +3861,19 @@
           <a:lstStyle/>
           <a:p>
             <a:r>
+              <a:rPr lang="en-US" smtClean="0"/>
+              <a:t>Oracle.com</a:t>
+            </a:r>
+            <a:endParaRPr lang="ru-RU" smtClean="0"/>
+          </a:p>
+          <a:p>
+            <a:r>
               <a:rPr lang="ru-RU" dirty="0" smtClean="0"/>
-              <a:t>Русская и английская википедия</a:t>
+              <a:t>Русская </a:t>
+            </a:r>
+            <a:r>
+              <a:rPr lang="ru-RU" dirty="0" smtClean="0"/>
+              <a:t>и английская википедия</a:t>
             </a:r>
           </a:p>
           <a:p>
@@ -4503,11 +4502,7 @@
             </a:r>
             <a:r>
               <a:rPr lang="en-US" dirty="0" smtClean="0"/>
-              <a:t>aload_0, </a:t>
-            </a:r>
-            <a:r>
-              <a:rPr lang="en-US" dirty="0" smtClean="0"/>
-              <a:t>istore</a:t>
+              <a:t>aload_0, istore</a:t>
             </a:r>
             <a:r>
               <a:rPr lang="ru-RU" dirty="0" smtClean="0"/>
